--- a/presentation/Real-Time data Streaming with Azure Stream Analytics.pptx
+++ b/presentation/Real-Time data Streaming with Azure Stream Analytics.pptx
@@ -30637,16 +30637,32 @@
               <a:buChar char="•"/>
             </a:pPr>
             <a:r>
+              <a:rPr lang="en-US" dirty="0">
+                <a:latin typeface="Arial"/>
+                <a:cs typeface="Arial"/>
+              </a:rPr>
+              <a:t>Use PARTITION BY to run in parallel</a:t>
+            </a:r>
+          </a:p>
+          <a:p>
+            <a:pPr marL="342900" indent="-342900">
+              <a:buFont typeface="Arial,Sans-Serif"/>
+              <a:buChar char="•"/>
+            </a:pPr>
+            <a:r>
               <a:rPr lang="en-US">
                 <a:latin typeface="Arial"/>
                 <a:cs typeface="Arial"/>
               </a:rPr>
-              <a:t>Use PARTITION BY to run in parallel</a:t>
-            </a:r>
-            <a:endParaRPr lang="en-US" dirty="0">
-              <a:latin typeface="Arial"/>
-              <a:cs typeface="Arial"/>
-            </a:endParaRPr>
+              <a:t>An EventHub </a:t>
+            </a:r>
+            <a:r>
+              <a:rPr lang="en-US" dirty="0">
+                <a:latin typeface="Arial"/>
+                <a:cs typeface="Arial"/>
+              </a:rPr>
+              <a:t>has 2-32 partitions</a:t>
+            </a:r>
           </a:p>
           <a:p>
             <a:pPr marL="342900" indent="-342900">
@@ -30654,33 +30670,12 @@
               <a:buChar char="•"/>
             </a:pPr>
             <a:r>
-              <a:rPr lang="en-US">
-                <a:latin typeface="Arial"/>
-                <a:cs typeface="Arial"/>
-              </a:rPr>
-              <a:t>An EvenHub has 2-32 partitions</a:t>
-            </a:r>
-            <a:endParaRPr lang="en-US" dirty="0">
-              <a:latin typeface="Arial"/>
-              <a:cs typeface="Arial"/>
-            </a:endParaRPr>
-          </a:p>
-          <a:p>
-            <a:pPr marL="342900" indent="-342900">
-              <a:buFont typeface="Arial,Sans-Serif"/>
-              <a:buChar char="•"/>
-            </a:pPr>
-            <a:r>
-              <a:rPr lang="en-US">
+              <a:rPr lang="en-US" dirty="0">
                 <a:latin typeface="Arial"/>
                 <a:cs typeface="Arial"/>
               </a:rPr>
               <a:t>Not all jobs are possible to run in parallel</a:t>
             </a:r>
-            <a:endParaRPr lang="en-US" dirty="0">
-              <a:latin typeface="Arial"/>
-              <a:cs typeface="Arial"/>
-            </a:endParaRPr>
           </a:p>
           <a:p>
             <a:pPr marL="342900" indent="-342900">
@@ -34137,15 +34132,6 @@
 </file>
 
 <file path=customXml/item1.xml><?xml version="1.0" encoding="utf-8"?>
-<?mso-contentType ?>
-<FormTemplates xmlns="http://schemas.microsoft.com/sharepoint/v3/contenttype/forms">
-  <Display>DocumentLibraryForm</Display>
-  <Edit>DocumentLibraryForm</Edit>
-  <New>DocumentLibraryForm</New>
-</FormTemplates>
-</file>
-
-<file path=customXml/item2.xml><?xml version="1.0" encoding="utf-8"?>
 <ct:contentTypeSchema xmlns:ct="http://schemas.microsoft.com/office/2006/metadata/contentType" xmlns:ma="http://schemas.microsoft.com/office/2006/metadata/properties/metaAttributes" ct:_="" ma:_="" ma:contentTypeName="Document" ma:contentTypeID="0x010100E6DFF81612CCC64AA410D4B1570458CF" ma:contentTypeVersion="2" ma:contentTypeDescription="Create a new document." ma:contentTypeScope="" ma:versionID="e26ec1dc886f93c3b41a4ab375df27cd">
   <xsd:schema xmlns:xsd="http://www.w3.org/2001/XMLSchema" xmlns:xs="http://www.w3.org/2001/XMLSchema" xmlns:p="http://schemas.microsoft.com/office/2006/metadata/properties" xmlns:ns2="7ada1e2f-e1e8-4e51-a8e0-982e6dc14b31" targetNamespace="http://schemas.microsoft.com/office/2006/metadata/properties" ma:root="true" ma:fieldsID="067f5a1642f80774289e18c13e6c5623" ns2:_="">
     <xsd:import namespace="7ada1e2f-e1e8-4e51-a8e0-982e6dc14b31"/>
@@ -34277,15 +34263,16 @@
 </ct:contentTypeSchema>
 </file>
 
-<file path=customXml/itemProps1.xml><?xml version="1.0" encoding="utf-8"?>
-<ds:datastoreItem xmlns:ds="http://schemas.openxmlformats.org/officeDocument/2006/customXml" ds:itemID="{904F484D-D4A6-4083-ABE6-DF78E4E5190E}">
-  <ds:schemaRefs>
-    <ds:schemaRef ds:uri="http://schemas.microsoft.com/sharepoint/v3/contenttype/forms"/>
-  </ds:schemaRefs>
-</ds:datastoreItem>
+<file path=customXml/item2.xml><?xml version="1.0" encoding="utf-8"?>
+<?mso-contentType ?>
+<FormTemplates xmlns="http://schemas.microsoft.com/sharepoint/v3/contenttype/forms">
+  <Display>DocumentLibraryForm</Display>
+  <Edit>DocumentLibraryForm</Edit>
+  <New>DocumentLibraryForm</New>
+</FormTemplates>
 </file>
 
-<file path=customXml/itemProps2.xml><?xml version="1.0" encoding="utf-8"?>
+<file path=customXml/itemProps1.xml><?xml version="1.0" encoding="utf-8"?>
 <ds:datastoreItem xmlns:ds="http://schemas.openxmlformats.org/officeDocument/2006/customXml" ds:itemID="{F65BB18E-8448-47CF-A401-B5BE8CB6F273}">
   <ds:schemaRefs>
     <ds:schemaRef ds:uri="http://schemas.microsoft.com/office/2006/metadata/contentType"/>
@@ -34301,4 +34288,12 @@
     <ds:schemaRef ds:uri="http://schemas.microsoft.com/internal/obd"/>
   </ds:schemaRefs>
 </ds:datastoreItem>
+</file>
+
+<file path=customXml/itemProps2.xml><?xml version="1.0" encoding="utf-8"?>
+<ds:datastoreItem xmlns:ds="http://schemas.openxmlformats.org/officeDocument/2006/customXml" ds:itemID="{904F484D-D4A6-4083-ABE6-DF78E4E5190E}">
+  <ds:schemaRefs>
+    <ds:schemaRef ds:uri="http://schemas.microsoft.com/sharepoint/v3/contenttype/forms"/>
+  </ds:schemaRefs>
+</ds:datastoreItem>
 </file>